--- a/chapter4/chapter4pptx.pptx
+++ b/chapter4/chapter4pptx.pptx
@@ -9656,10 +9656,9 @@
               <a:buNone/>
             </a:pPr>
             <a:r>
-              <a:rPr lang="en-US" altLang="zh-Hans"/>
+              <a:rPr lang="en-US" altLang="zh-Hans" dirty="0"/>
               <a:t>…</a:t>
             </a:r>
-            <a:endParaRPr lang="en-US" altLang="zh-Hans" dirty="0"/>
           </a:p>
           <a:p>
             <a:pPr marL="0" indent="0">
